--- a/MACHINE LEARNING PROJECT/MLReport.pptx
+++ b/MACHINE LEARNING PROJECT/MLReport.pptx
@@ -33093,6 +33093,36 @@
           </a:ln>
         </p:spPr>
       </p:pic>
+      <p:sp>
+        <p:nvSpPr>
+          <p:cNvPr id="7" name="Text Box 6"/>
+          <p:cNvSpPr txBox="1"/>
+          <p:nvPr/>
+        </p:nvSpPr>
+        <p:spPr>
+          <a:xfrm>
+            <a:off x="71120" y="6445250"/>
+            <a:ext cx="9628505" cy="368300"/>
+          </a:xfrm>
+          <a:prstGeom prst="rect">
+            <a:avLst/>
+          </a:prstGeom>
+          <a:noFill/>
+        </p:spPr>
+        <p:txBody>
+          <a:bodyPr wrap="none" rtlCol="0">
+            <a:spAutoFit/>
+          </a:bodyPr>
+          <a:p>
+            <a:pPr algn="l"/>
+            <a:r>
+              <a:rPr lang="en-US"/>
+              <a:t>Mẫu thu thập data:https://github.com/thanhnhan311201/CS114.L11.KHCL/tree/master/BaoCaoDoAn</a:t>
+            </a:r>
+            <a:endParaRPr lang="en-US"/>
+          </a:p>
+        </p:txBody>
+      </p:sp>
     </p:spTree>
   </p:cSld>
   <p:clrMapOvr>
